--- a/ppt 16-9/1598.为主赢得城市.pptx
+++ b/ppt 16-9/1598.为主赢得城市.pptx
@@ -129,7 +129,7 @@
           <p:cNvPr id="2" name="标题 1">
             <a:extLst>
               <a:ext uri="{FF2B5EF4-FFF2-40B4-BE49-F238E27FC236}">
-                <a16:creationId xmlns:a16="http://schemas.microsoft.com/office/drawing/2014/main" id="{77EF9146-DCCF-4838-D862-B0DE723A278D}"/>
+                <a16:creationId xmlns:a16="http://schemas.microsoft.com/office/drawing/2014/main" id="{0F740404-B2D4-1BD3-E8F0-637997F83762}"/>
               </a:ext>
             </a:extLst>
           </p:cNvPr>
@@ -166,7 +166,7 @@
           <p:cNvPr id="3" name="副标题 2">
             <a:extLst>
               <a:ext uri="{FF2B5EF4-FFF2-40B4-BE49-F238E27FC236}">
-                <a16:creationId xmlns:a16="http://schemas.microsoft.com/office/drawing/2014/main" id="{FDC7F07D-8B6E-7DB9-8292-F605B3F2E74E}"/>
+                <a16:creationId xmlns:a16="http://schemas.microsoft.com/office/drawing/2014/main" id="{2027ED6C-7C0B-E40C-D4C6-A7AFCAC3265A}"/>
               </a:ext>
             </a:extLst>
           </p:cNvPr>
@@ -236,7 +236,7 @@
           <p:cNvPr id="4" name="日期占位符 3">
             <a:extLst>
               <a:ext uri="{FF2B5EF4-FFF2-40B4-BE49-F238E27FC236}">
-                <a16:creationId xmlns:a16="http://schemas.microsoft.com/office/drawing/2014/main" id="{6CE4AA5D-4F36-58F8-1797-3E6EF6266690}"/>
+                <a16:creationId xmlns:a16="http://schemas.microsoft.com/office/drawing/2014/main" id="{9E16A7EE-7A74-1E71-EAA1-F674A9D4742E}"/>
               </a:ext>
             </a:extLst>
           </p:cNvPr>
@@ -252,7 +252,7 @@
           <a:bodyPr/>
           <a:lstStyle/>
           <a:p>
-            <a:fld id="{DEE89DBC-32C1-4857-ADDF-E1FF57EF5324}" type="datetimeFigureOut">
+            <a:fld id="{B0114C73-88ED-466E-8D2B-F161197C985C}" type="datetimeFigureOut">
               <a:rPr lang="zh-CN" altLang="en-US" smtClean="0"/>
               <a:t>2024/3/10</a:t>
             </a:fld>
@@ -265,7 +265,7 @@
           <p:cNvPr id="5" name="页脚占位符 4">
             <a:extLst>
               <a:ext uri="{FF2B5EF4-FFF2-40B4-BE49-F238E27FC236}">
-                <a16:creationId xmlns:a16="http://schemas.microsoft.com/office/drawing/2014/main" id="{E8D60703-860F-E9A6-85AC-5950EE90E98D}"/>
+                <a16:creationId xmlns:a16="http://schemas.microsoft.com/office/drawing/2014/main" id="{43E0F299-F747-B621-0172-9F9F98CD7E8A}"/>
               </a:ext>
             </a:extLst>
           </p:cNvPr>
@@ -290,7 +290,7 @@
           <p:cNvPr id="6" name="灯片编号占位符 5">
             <a:extLst>
               <a:ext uri="{FF2B5EF4-FFF2-40B4-BE49-F238E27FC236}">
-                <a16:creationId xmlns:a16="http://schemas.microsoft.com/office/drawing/2014/main" id="{B50EC91F-E922-862A-3C9A-0695DDAB6988}"/>
+                <a16:creationId xmlns:a16="http://schemas.microsoft.com/office/drawing/2014/main" id="{66281A0E-9345-0922-3FE1-D4483C3CE5A1}"/>
               </a:ext>
             </a:extLst>
           </p:cNvPr>
@@ -306,7 +306,7 @@
           <a:bodyPr/>
           <a:lstStyle/>
           <a:p>
-            <a:fld id="{7A68FF01-E9A4-4CE8-8CEC-439BFDBE99B6}" type="slidenum">
+            <a:fld id="{5EC4EEF4-C6E0-4AA9-A311-EBFC33367C11}" type="slidenum">
               <a:rPr lang="zh-CN" altLang="en-US" smtClean="0"/>
               <a:t>‹#›</a:t>
             </a:fld>
@@ -317,7 +317,7 @@
     </p:spTree>
     <p:extLst>
       <p:ext uri="{BB962C8B-B14F-4D97-AF65-F5344CB8AC3E}">
-        <p14:creationId xmlns:p14="http://schemas.microsoft.com/office/powerpoint/2010/main" val="2891246137"/>
+        <p14:creationId xmlns:p14="http://schemas.microsoft.com/office/powerpoint/2010/main" val="734156904"/>
       </p:ext>
     </p:extLst>
   </p:cSld>
@@ -349,7 +349,7 @@
           <p:cNvPr id="2" name="标题 1">
             <a:extLst>
               <a:ext uri="{FF2B5EF4-FFF2-40B4-BE49-F238E27FC236}">
-                <a16:creationId xmlns:a16="http://schemas.microsoft.com/office/drawing/2014/main" id="{543048D0-EC02-2CF3-401C-F407C6004A86}"/>
+                <a16:creationId xmlns:a16="http://schemas.microsoft.com/office/drawing/2014/main" id="{7AED0A79-B746-FC80-7695-585DEABCFBDF}"/>
               </a:ext>
             </a:extLst>
           </p:cNvPr>
@@ -377,7 +377,7 @@
           <p:cNvPr id="3" name="竖排文字占位符 2">
             <a:extLst>
               <a:ext uri="{FF2B5EF4-FFF2-40B4-BE49-F238E27FC236}">
-                <a16:creationId xmlns:a16="http://schemas.microsoft.com/office/drawing/2014/main" id="{DE51A8A8-1397-48F0-E995-8AC4DA4A7561}"/>
+                <a16:creationId xmlns:a16="http://schemas.microsoft.com/office/drawing/2014/main" id="{54EEF857-03C7-1E55-57B8-6DD5413B5048}"/>
               </a:ext>
             </a:extLst>
           </p:cNvPr>
@@ -434,7 +434,7 @@
           <p:cNvPr id="4" name="日期占位符 3">
             <a:extLst>
               <a:ext uri="{FF2B5EF4-FFF2-40B4-BE49-F238E27FC236}">
-                <a16:creationId xmlns:a16="http://schemas.microsoft.com/office/drawing/2014/main" id="{E2A21D49-123D-C352-F362-312B19F1A8D4}"/>
+                <a16:creationId xmlns:a16="http://schemas.microsoft.com/office/drawing/2014/main" id="{5D222733-3CB0-95B3-0203-E56BE599ACA4}"/>
               </a:ext>
             </a:extLst>
           </p:cNvPr>
@@ -450,7 +450,7 @@
           <a:bodyPr/>
           <a:lstStyle/>
           <a:p>
-            <a:fld id="{DEE89DBC-32C1-4857-ADDF-E1FF57EF5324}" type="datetimeFigureOut">
+            <a:fld id="{B0114C73-88ED-466E-8D2B-F161197C985C}" type="datetimeFigureOut">
               <a:rPr lang="zh-CN" altLang="en-US" smtClean="0"/>
               <a:t>2024/3/10</a:t>
             </a:fld>
@@ -463,7 +463,7 @@
           <p:cNvPr id="5" name="页脚占位符 4">
             <a:extLst>
               <a:ext uri="{FF2B5EF4-FFF2-40B4-BE49-F238E27FC236}">
-                <a16:creationId xmlns:a16="http://schemas.microsoft.com/office/drawing/2014/main" id="{38209683-A8A4-F478-5CEE-C2827D697736}"/>
+                <a16:creationId xmlns:a16="http://schemas.microsoft.com/office/drawing/2014/main" id="{4FF53376-907D-84AE-E7A1-099D49EAC14E}"/>
               </a:ext>
             </a:extLst>
           </p:cNvPr>
@@ -488,7 +488,7 @@
           <p:cNvPr id="6" name="灯片编号占位符 5">
             <a:extLst>
               <a:ext uri="{FF2B5EF4-FFF2-40B4-BE49-F238E27FC236}">
-                <a16:creationId xmlns:a16="http://schemas.microsoft.com/office/drawing/2014/main" id="{A66DC1FA-1793-8FEE-83B6-EBB874F38D1B}"/>
+                <a16:creationId xmlns:a16="http://schemas.microsoft.com/office/drawing/2014/main" id="{3AECAA77-929D-4C0D-ED92-085D5264B388}"/>
               </a:ext>
             </a:extLst>
           </p:cNvPr>
@@ -504,7 +504,7 @@
           <a:bodyPr/>
           <a:lstStyle/>
           <a:p>
-            <a:fld id="{7A68FF01-E9A4-4CE8-8CEC-439BFDBE99B6}" type="slidenum">
+            <a:fld id="{5EC4EEF4-C6E0-4AA9-A311-EBFC33367C11}" type="slidenum">
               <a:rPr lang="zh-CN" altLang="en-US" smtClean="0"/>
               <a:t>‹#›</a:t>
             </a:fld>
@@ -515,7 +515,7 @@
     </p:spTree>
     <p:extLst>
       <p:ext uri="{BB962C8B-B14F-4D97-AF65-F5344CB8AC3E}">
-        <p14:creationId xmlns:p14="http://schemas.microsoft.com/office/powerpoint/2010/main" val="348996745"/>
+        <p14:creationId xmlns:p14="http://schemas.microsoft.com/office/powerpoint/2010/main" val="3440011481"/>
       </p:ext>
     </p:extLst>
   </p:cSld>
@@ -547,7 +547,7 @@
           <p:cNvPr id="2" name="竖排标题 1">
             <a:extLst>
               <a:ext uri="{FF2B5EF4-FFF2-40B4-BE49-F238E27FC236}">
-                <a16:creationId xmlns:a16="http://schemas.microsoft.com/office/drawing/2014/main" id="{D461E925-E350-A0C4-35D3-45065C554EF6}"/>
+                <a16:creationId xmlns:a16="http://schemas.microsoft.com/office/drawing/2014/main" id="{1EB48ED9-A280-DB79-6A8B-7F89B8189314}"/>
               </a:ext>
             </a:extLst>
           </p:cNvPr>
@@ -580,7 +580,7 @@
           <p:cNvPr id="3" name="竖排文字占位符 2">
             <a:extLst>
               <a:ext uri="{FF2B5EF4-FFF2-40B4-BE49-F238E27FC236}">
-                <a16:creationId xmlns:a16="http://schemas.microsoft.com/office/drawing/2014/main" id="{577ECA80-EB31-B0F0-443A-ABFC60626A72}"/>
+                <a16:creationId xmlns:a16="http://schemas.microsoft.com/office/drawing/2014/main" id="{C41935E0-730F-B5BB-C568-0F4C6F019F61}"/>
               </a:ext>
             </a:extLst>
           </p:cNvPr>
@@ -642,7 +642,7 @@
           <p:cNvPr id="4" name="日期占位符 3">
             <a:extLst>
               <a:ext uri="{FF2B5EF4-FFF2-40B4-BE49-F238E27FC236}">
-                <a16:creationId xmlns:a16="http://schemas.microsoft.com/office/drawing/2014/main" id="{7D915F5A-2355-CCA2-EE5C-A9F9140F3F71}"/>
+                <a16:creationId xmlns:a16="http://schemas.microsoft.com/office/drawing/2014/main" id="{884C2691-2687-755D-A903-9238B35B1110}"/>
               </a:ext>
             </a:extLst>
           </p:cNvPr>
@@ -658,7 +658,7 @@
           <a:bodyPr/>
           <a:lstStyle/>
           <a:p>
-            <a:fld id="{DEE89DBC-32C1-4857-ADDF-E1FF57EF5324}" type="datetimeFigureOut">
+            <a:fld id="{B0114C73-88ED-466E-8D2B-F161197C985C}" type="datetimeFigureOut">
               <a:rPr lang="zh-CN" altLang="en-US" smtClean="0"/>
               <a:t>2024/3/10</a:t>
             </a:fld>
@@ -671,7 +671,7 @@
           <p:cNvPr id="5" name="页脚占位符 4">
             <a:extLst>
               <a:ext uri="{FF2B5EF4-FFF2-40B4-BE49-F238E27FC236}">
-                <a16:creationId xmlns:a16="http://schemas.microsoft.com/office/drawing/2014/main" id="{EDA70A23-0CA9-6A12-9FBF-7622C7A10FAE}"/>
+                <a16:creationId xmlns:a16="http://schemas.microsoft.com/office/drawing/2014/main" id="{2B7DDADB-95B3-DE48-916D-1AD065E20ACF}"/>
               </a:ext>
             </a:extLst>
           </p:cNvPr>
@@ -696,7 +696,7 @@
           <p:cNvPr id="6" name="灯片编号占位符 5">
             <a:extLst>
               <a:ext uri="{FF2B5EF4-FFF2-40B4-BE49-F238E27FC236}">
-                <a16:creationId xmlns:a16="http://schemas.microsoft.com/office/drawing/2014/main" id="{5B08A80B-BF28-53AC-8D09-5814B113E80F}"/>
+                <a16:creationId xmlns:a16="http://schemas.microsoft.com/office/drawing/2014/main" id="{33529C67-A858-927B-5ACB-6D9BE201BD9A}"/>
               </a:ext>
             </a:extLst>
           </p:cNvPr>
@@ -712,7 +712,7 @@
           <a:bodyPr/>
           <a:lstStyle/>
           <a:p>
-            <a:fld id="{7A68FF01-E9A4-4CE8-8CEC-439BFDBE99B6}" type="slidenum">
+            <a:fld id="{5EC4EEF4-C6E0-4AA9-A311-EBFC33367C11}" type="slidenum">
               <a:rPr lang="zh-CN" altLang="en-US" smtClean="0"/>
               <a:t>‹#›</a:t>
             </a:fld>
@@ -723,7 +723,7 @@
     </p:spTree>
     <p:extLst>
       <p:ext uri="{BB962C8B-B14F-4D97-AF65-F5344CB8AC3E}">
-        <p14:creationId xmlns:p14="http://schemas.microsoft.com/office/powerpoint/2010/main" val="2754702212"/>
+        <p14:creationId xmlns:p14="http://schemas.microsoft.com/office/powerpoint/2010/main" val="33570565"/>
       </p:ext>
     </p:extLst>
   </p:cSld>
@@ -755,7 +755,7 @@
           <p:cNvPr id="2" name="标题 1">
             <a:extLst>
               <a:ext uri="{FF2B5EF4-FFF2-40B4-BE49-F238E27FC236}">
-                <a16:creationId xmlns:a16="http://schemas.microsoft.com/office/drawing/2014/main" id="{190B7B68-7461-77B3-CF2B-79D607968CE3}"/>
+                <a16:creationId xmlns:a16="http://schemas.microsoft.com/office/drawing/2014/main" id="{B00EC15A-183A-B1B7-31B4-252E8418BCAD}"/>
               </a:ext>
             </a:extLst>
           </p:cNvPr>
@@ -783,7 +783,7 @@
           <p:cNvPr id="3" name="内容占位符 2">
             <a:extLst>
               <a:ext uri="{FF2B5EF4-FFF2-40B4-BE49-F238E27FC236}">
-                <a16:creationId xmlns:a16="http://schemas.microsoft.com/office/drawing/2014/main" id="{96DFC8D0-25E0-40DF-559B-43CA42C1A494}"/>
+                <a16:creationId xmlns:a16="http://schemas.microsoft.com/office/drawing/2014/main" id="{364DCF56-B467-DA8F-0ED5-D4C941B0CCBB}"/>
               </a:ext>
             </a:extLst>
           </p:cNvPr>
@@ -840,7 +840,7 @@
           <p:cNvPr id="4" name="日期占位符 3">
             <a:extLst>
               <a:ext uri="{FF2B5EF4-FFF2-40B4-BE49-F238E27FC236}">
-                <a16:creationId xmlns:a16="http://schemas.microsoft.com/office/drawing/2014/main" id="{93CEE215-4B84-DADF-B0CB-429B0891896C}"/>
+                <a16:creationId xmlns:a16="http://schemas.microsoft.com/office/drawing/2014/main" id="{6DE7D42B-9D98-B211-E2BF-9E5F0FAAB5E1}"/>
               </a:ext>
             </a:extLst>
           </p:cNvPr>
@@ -856,7 +856,7 @@
           <a:bodyPr/>
           <a:lstStyle/>
           <a:p>
-            <a:fld id="{DEE89DBC-32C1-4857-ADDF-E1FF57EF5324}" type="datetimeFigureOut">
+            <a:fld id="{B0114C73-88ED-466E-8D2B-F161197C985C}" type="datetimeFigureOut">
               <a:rPr lang="zh-CN" altLang="en-US" smtClean="0"/>
               <a:t>2024/3/10</a:t>
             </a:fld>
@@ -869,7 +869,7 @@
           <p:cNvPr id="5" name="页脚占位符 4">
             <a:extLst>
               <a:ext uri="{FF2B5EF4-FFF2-40B4-BE49-F238E27FC236}">
-                <a16:creationId xmlns:a16="http://schemas.microsoft.com/office/drawing/2014/main" id="{F4F00983-81F1-D655-DE7B-7510A0DE0B97}"/>
+                <a16:creationId xmlns:a16="http://schemas.microsoft.com/office/drawing/2014/main" id="{BDDD2441-CC4D-8B60-0426-6F59A3FD99BC}"/>
               </a:ext>
             </a:extLst>
           </p:cNvPr>
@@ -894,7 +894,7 @@
           <p:cNvPr id="6" name="灯片编号占位符 5">
             <a:extLst>
               <a:ext uri="{FF2B5EF4-FFF2-40B4-BE49-F238E27FC236}">
-                <a16:creationId xmlns:a16="http://schemas.microsoft.com/office/drawing/2014/main" id="{54A8D30E-82E8-B6C2-4DBA-E700C92FB489}"/>
+                <a16:creationId xmlns:a16="http://schemas.microsoft.com/office/drawing/2014/main" id="{27F134EE-AC7A-AD60-17C6-B5CE98D35F68}"/>
               </a:ext>
             </a:extLst>
           </p:cNvPr>
@@ -910,7 +910,7 @@
           <a:bodyPr/>
           <a:lstStyle/>
           <a:p>
-            <a:fld id="{7A68FF01-E9A4-4CE8-8CEC-439BFDBE99B6}" type="slidenum">
+            <a:fld id="{5EC4EEF4-C6E0-4AA9-A311-EBFC33367C11}" type="slidenum">
               <a:rPr lang="zh-CN" altLang="en-US" smtClean="0"/>
               <a:t>‹#›</a:t>
             </a:fld>
@@ -921,7 +921,7 @@
     </p:spTree>
     <p:extLst>
       <p:ext uri="{BB962C8B-B14F-4D97-AF65-F5344CB8AC3E}">
-        <p14:creationId xmlns:p14="http://schemas.microsoft.com/office/powerpoint/2010/main" val="1018302748"/>
+        <p14:creationId xmlns:p14="http://schemas.microsoft.com/office/powerpoint/2010/main" val="3359418051"/>
       </p:ext>
     </p:extLst>
   </p:cSld>
@@ -953,7 +953,7 @@
           <p:cNvPr id="2" name="标题 1">
             <a:extLst>
               <a:ext uri="{FF2B5EF4-FFF2-40B4-BE49-F238E27FC236}">
-                <a16:creationId xmlns:a16="http://schemas.microsoft.com/office/drawing/2014/main" id="{E6DF05DC-7932-E0DF-BF75-5C7D5F9F9C0C}"/>
+                <a16:creationId xmlns:a16="http://schemas.microsoft.com/office/drawing/2014/main" id="{C0859719-FFE4-FC97-573F-7CBE5CF031E7}"/>
               </a:ext>
             </a:extLst>
           </p:cNvPr>
@@ -990,7 +990,7 @@
           <p:cNvPr id="3" name="文本占位符 2">
             <a:extLst>
               <a:ext uri="{FF2B5EF4-FFF2-40B4-BE49-F238E27FC236}">
-                <a16:creationId xmlns:a16="http://schemas.microsoft.com/office/drawing/2014/main" id="{DBE70B5B-884A-58F7-E0B2-E7929273009F}"/>
+                <a16:creationId xmlns:a16="http://schemas.microsoft.com/office/drawing/2014/main" id="{CA280E61-06F5-FD80-1A58-98A10DCAAB23}"/>
               </a:ext>
             </a:extLst>
           </p:cNvPr>
@@ -1115,7 +1115,7 @@
           <p:cNvPr id="4" name="日期占位符 3">
             <a:extLst>
               <a:ext uri="{FF2B5EF4-FFF2-40B4-BE49-F238E27FC236}">
-                <a16:creationId xmlns:a16="http://schemas.microsoft.com/office/drawing/2014/main" id="{2B025F3A-F10B-E052-B6B1-19EC23759F1B}"/>
+                <a16:creationId xmlns:a16="http://schemas.microsoft.com/office/drawing/2014/main" id="{FF5BDAFC-2FE0-CB39-6480-D013571A439F}"/>
               </a:ext>
             </a:extLst>
           </p:cNvPr>
@@ -1131,7 +1131,7 @@
           <a:bodyPr/>
           <a:lstStyle/>
           <a:p>
-            <a:fld id="{DEE89DBC-32C1-4857-ADDF-E1FF57EF5324}" type="datetimeFigureOut">
+            <a:fld id="{B0114C73-88ED-466E-8D2B-F161197C985C}" type="datetimeFigureOut">
               <a:rPr lang="zh-CN" altLang="en-US" smtClean="0"/>
               <a:t>2024/3/10</a:t>
             </a:fld>
@@ -1144,7 +1144,7 @@
           <p:cNvPr id="5" name="页脚占位符 4">
             <a:extLst>
               <a:ext uri="{FF2B5EF4-FFF2-40B4-BE49-F238E27FC236}">
-                <a16:creationId xmlns:a16="http://schemas.microsoft.com/office/drawing/2014/main" id="{C92BBDFC-6554-1E3A-060B-A907FE10CF2D}"/>
+                <a16:creationId xmlns:a16="http://schemas.microsoft.com/office/drawing/2014/main" id="{D3BD0AA8-E633-9551-72F4-4A00C8D9216E}"/>
               </a:ext>
             </a:extLst>
           </p:cNvPr>
@@ -1169,7 +1169,7 @@
           <p:cNvPr id="6" name="灯片编号占位符 5">
             <a:extLst>
               <a:ext uri="{FF2B5EF4-FFF2-40B4-BE49-F238E27FC236}">
-                <a16:creationId xmlns:a16="http://schemas.microsoft.com/office/drawing/2014/main" id="{462F79BF-ECAC-23AE-1A9D-EC8FEBD044B3}"/>
+                <a16:creationId xmlns:a16="http://schemas.microsoft.com/office/drawing/2014/main" id="{2C422450-B9A8-BEB4-F403-1DC735BCC78E}"/>
               </a:ext>
             </a:extLst>
           </p:cNvPr>
@@ -1185,7 +1185,7 @@
           <a:bodyPr/>
           <a:lstStyle/>
           <a:p>
-            <a:fld id="{7A68FF01-E9A4-4CE8-8CEC-439BFDBE99B6}" type="slidenum">
+            <a:fld id="{5EC4EEF4-C6E0-4AA9-A311-EBFC33367C11}" type="slidenum">
               <a:rPr lang="zh-CN" altLang="en-US" smtClean="0"/>
               <a:t>‹#›</a:t>
             </a:fld>
@@ -1196,7 +1196,7 @@
     </p:spTree>
     <p:extLst>
       <p:ext uri="{BB962C8B-B14F-4D97-AF65-F5344CB8AC3E}">
-        <p14:creationId xmlns:p14="http://schemas.microsoft.com/office/powerpoint/2010/main" val="2276281419"/>
+        <p14:creationId xmlns:p14="http://schemas.microsoft.com/office/powerpoint/2010/main" val="2116265369"/>
       </p:ext>
     </p:extLst>
   </p:cSld>
@@ -1228,7 +1228,7 @@
           <p:cNvPr id="2" name="标题 1">
             <a:extLst>
               <a:ext uri="{FF2B5EF4-FFF2-40B4-BE49-F238E27FC236}">
-                <a16:creationId xmlns:a16="http://schemas.microsoft.com/office/drawing/2014/main" id="{5FF36F51-8BC7-DA71-E0EC-8F094A4183B8}"/>
+                <a16:creationId xmlns:a16="http://schemas.microsoft.com/office/drawing/2014/main" id="{EF25E16D-AE52-C141-E820-E0202691E8A9}"/>
               </a:ext>
             </a:extLst>
           </p:cNvPr>
@@ -1256,7 +1256,7 @@
           <p:cNvPr id="3" name="内容占位符 2">
             <a:extLst>
               <a:ext uri="{FF2B5EF4-FFF2-40B4-BE49-F238E27FC236}">
-                <a16:creationId xmlns:a16="http://schemas.microsoft.com/office/drawing/2014/main" id="{901C60D2-576B-3C19-CB07-0D8B95BD8DB2}"/>
+                <a16:creationId xmlns:a16="http://schemas.microsoft.com/office/drawing/2014/main" id="{B83ECD8F-D8B4-50D5-2F39-542813B77A2A}"/>
               </a:ext>
             </a:extLst>
           </p:cNvPr>
@@ -1318,7 +1318,7 @@
           <p:cNvPr id="4" name="内容占位符 3">
             <a:extLst>
               <a:ext uri="{FF2B5EF4-FFF2-40B4-BE49-F238E27FC236}">
-                <a16:creationId xmlns:a16="http://schemas.microsoft.com/office/drawing/2014/main" id="{98A9490F-DA7B-66B0-B037-DE51C4EAE11A}"/>
+                <a16:creationId xmlns:a16="http://schemas.microsoft.com/office/drawing/2014/main" id="{889FC121-6E80-807E-6C21-D53F3AC91DC7}"/>
               </a:ext>
             </a:extLst>
           </p:cNvPr>
@@ -1380,7 +1380,7 @@
           <p:cNvPr id="5" name="日期占位符 4">
             <a:extLst>
               <a:ext uri="{FF2B5EF4-FFF2-40B4-BE49-F238E27FC236}">
-                <a16:creationId xmlns:a16="http://schemas.microsoft.com/office/drawing/2014/main" id="{89D430A4-E1B5-F855-7E5C-36AB25A9A426}"/>
+                <a16:creationId xmlns:a16="http://schemas.microsoft.com/office/drawing/2014/main" id="{14FB77F2-6973-3470-BA8A-9C74F838986E}"/>
               </a:ext>
             </a:extLst>
           </p:cNvPr>
@@ -1396,7 +1396,7 @@
           <a:bodyPr/>
           <a:lstStyle/>
           <a:p>
-            <a:fld id="{DEE89DBC-32C1-4857-ADDF-E1FF57EF5324}" type="datetimeFigureOut">
+            <a:fld id="{B0114C73-88ED-466E-8D2B-F161197C985C}" type="datetimeFigureOut">
               <a:rPr lang="zh-CN" altLang="en-US" smtClean="0"/>
               <a:t>2024/3/10</a:t>
             </a:fld>
@@ -1409,7 +1409,7 @@
           <p:cNvPr id="6" name="页脚占位符 5">
             <a:extLst>
               <a:ext uri="{FF2B5EF4-FFF2-40B4-BE49-F238E27FC236}">
-                <a16:creationId xmlns:a16="http://schemas.microsoft.com/office/drawing/2014/main" id="{D6FE128F-D3F4-48B1-EE13-4846CCE92D14}"/>
+                <a16:creationId xmlns:a16="http://schemas.microsoft.com/office/drawing/2014/main" id="{16EA0C05-6151-9806-FA0F-D1E4D67803C4}"/>
               </a:ext>
             </a:extLst>
           </p:cNvPr>
@@ -1434,7 +1434,7 @@
           <p:cNvPr id="7" name="灯片编号占位符 6">
             <a:extLst>
               <a:ext uri="{FF2B5EF4-FFF2-40B4-BE49-F238E27FC236}">
-                <a16:creationId xmlns:a16="http://schemas.microsoft.com/office/drawing/2014/main" id="{687845BB-F45D-C0A9-88C7-DA7A8E519F85}"/>
+                <a16:creationId xmlns:a16="http://schemas.microsoft.com/office/drawing/2014/main" id="{DB45C6E6-C020-58BE-08C6-24D7CE7ECE24}"/>
               </a:ext>
             </a:extLst>
           </p:cNvPr>
@@ -1450,7 +1450,7 @@
           <a:bodyPr/>
           <a:lstStyle/>
           <a:p>
-            <a:fld id="{7A68FF01-E9A4-4CE8-8CEC-439BFDBE99B6}" type="slidenum">
+            <a:fld id="{5EC4EEF4-C6E0-4AA9-A311-EBFC33367C11}" type="slidenum">
               <a:rPr lang="zh-CN" altLang="en-US" smtClean="0"/>
               <a:t>‹#›</a:t>
             </a:fld>
@@ -1461,7 +1461,7 @@
     </p:spTree>
     <p:extLst>
       <p:ext uri="{BB962C8B-B14F-4D97-AF65-F5344CB8AC3E}">
-        <p14:creationId xmlns:p14="http://schemas.microsoft.com/office/powerpoint/2010/main" val="3902092671"/>
+        <p14:creationId xmlns:p14="http://schemas.microsoft.com/office/powerpoint/2010/main" val="278516167"/>
       </p:ext>
     </p:extLst>
   </p:cSld>
@@ -1493,7 +1493,7 @@
           <p:cNvPr id="2" name="标题 1">
             <a:extLst>
               <a:ext uri="{FF2B5EF4-FFF2-40B4-BE49-F238E27FC236}">
-                <a16:creationId xmlns:a16="http://schemas.microsoft.com/office/drawing/2014/main" id="{C984649C-29C9-3679-B1DC-FEB7F506403F}"/>
+                <a16:creationId xmlns:a16="http://schemas.microsoft.com/office/drawing/2014/main" id="{37153CCF-9273-047E-5585-6E5039DF5151}"/>
               </a:ext>
             </a:extLst>
           </p:cNvPr>
@@ -1526,7 +1526,7 @@
           <p:cNvPr id="3" name="文本占位符 2">
             <a:extLst>
               <a:ext uri="{FF2B5EF4-FFF2-40B4-BE49-F238E27FC236}">
-                <a16:creationId xmlns:a16="http://schemas.microsoft.com/office/drawing/2014/main" id="{6D8EDD8C-E253-88D1-A56B-812615FBD0FC}"/>
+                <a16:creationId xmlns:a16="http://schemas.microsoft.com/office/drawing/2014/main" id="{3AC606ED-FFCA-8698-1D21-37D11FD46F32}"/>
               </a:ext>
             </a:extLst>
           </p:cNvPr>
@@ -1597,7 +1597,7 @@
           <p:cNvPr id="4" name="内容占位符 3">
             <a:extLst>
               <a:ext uri="{FF2B5EF4-FFF2-40B4-BE49-F238E27FC236}">
-                <a16:creationId xmlns:a16="http://schemas.microsoft.com/office/drawing/2014/main" id="{094D639B-EF93-B942-5B56-1F12A8AEF653}"/>
+                <a16:creationId xmlns:a16="http://schemas.microsoft.com/office/drawing/2014/main" id="{DE0DE0B3-D5DC-1951-AF25-73617741AF43}"/>
               </a:ext>
             </a:extLst>
           </p:cNvPr>
@@ -1659,7 +1659,7 @@
           <p:cNvPr id="5" name="文本占位符 4">
             <a:extLst>
               <a:ext uri="{FF2B5EF4-FFF2-40B4-BE49-F238E27FC236}">
-                <a16:creationId xmlns:a16="http://schemas.microsoft.com/office/drawing/2014/main" id="{6268F71E-80ED-3F77-DC59-CF46E812B0C5}"/>
+                <a16:creationId xmlns:a16="http://schemas.microsoft.com/office/drawing/2014/main" id="{A7235948-B734-DBE4-B3AA-8ADB5A2E8C88}"/>
               </a:ext>
             </a:extLst>
           </p:cNvPr>
@@ -1730,7 +1730,7 @@
           <p:cNvPr id="6" name="内容占位符 5">
             <a:extLst>
               <a:ext uri="{FF2B5EF4-FFF2-40B4-BE49-F238E27FC236}">
-                <a16:creationId xmlns:a16="http://schemas.microsoft.com/office/drawing/2014/main" id="{C7A686B4-A5D5-5172-0667-08E176E27D48}"/>
+                <a16:creationId xmlns:a16="http://schemas.microsoft.com/office/drawing/2014/main" id="{CB3FE887-A138-1957-F714-B931731297E0}"/>
               </a:ext>
             </a:extLst>
           </p:cNvPr>
@@ -1792,7 +1792,7 @@
           <p:cNvPr id="7" name="日期占位符 6">
             <a:extLst>
               <a:ext uri="{FF2B5EF4-FFF2-40B4-BE49-F238E27FC236}">
-                <a16:creationId xmlns:a16="http://schemas.microsoft.com/office/drawing/2014/main" id="{0DF6C0A7-B7BB-0D7E-2594-BBAA59FEDD14}"/>
+                <a16:creationId xmlns:a16="http://schemas.microsoft.com/office/drawing/2014/main" id="{F326E5B0-7DB7-58CE-AA76-0FE6F523238B}"/>
               </a:ext>
             </a:extLst>
           </p:cNvPr>
@@ -1808,7 +1808,7 @@
           <a:bodyPr/>
           <a:lstStyle/>
           <a:p>
-            <a:fld id="{DEE89DBC-32C1-4857-ADDF-E1FF57EF5324}" type="datetimeFigureOut">
+            <a:fld id="{B0114C73-88ED-466E-8D2B-F161197C985C}" type="datetimeFigureOut">
               <a:rPr lang="zh-CN" altLang="en-US" smtClean="0"/>
               <a:t>2024/3/10</a:t>
             </a:fld>
@@ -1821,7 +1821,7 @@
           <p:cNvPr id="8" name="页脚占位符 7">
             <a:extLst>
               <a:ext uri="{FF2B5EF4-FFF2-40B4-BE49-F238E27FC236}">
-                <a16:creationId xmlns:a16="http://schemas.microsoft.com/office/drawing/2014/main" id="{3EDD0B8E-4169-2B47-24A8-70B69664E8F5}"/>
+                <a16:creationId xmlns:a16="http://schemas.microsoft.com/office/drawing/2014/main" id="{05AF9D9B-E119-8910-AA4F-1EF8D7D4EB95}"/>
               </a:ext>
             </a:extLst>
           </p:cNvPr>
@@ -1846,7 +1846,7 @@
           <p:cNvPr id="9" name="灯片编号占位符 8">
             <a:extLst>
               <a:ext uri="{FF2B5EF4-FFF2-40B4-BE49-F238E27FC236}">
-                <a16:creationId xmlns:a16="http://schemas.microsoft.com/office/drawing/2014/main" id="{BC34E28A-D0DA-B417-4B56-FA8A89AFDB2C}"/>
+                <a16:creationId xmlns:a16="http://schemas.microsoft.com/office/drawing/2014/main" id="{F4487ED1-FA7A-19C2-7C0A-A33EF4EF337A}"/>
               </a:ext>
             </a:extLst>
           </p:cNvPr>
@@ -1862,7 +1862,7 @@
           <a:bodyPr/>
           <a:lstStyle/>
           <a:p>
-            <a:fld id="{7A68FF01-E9A4-4CE8-8CEC-439BFDBE99B6}" type="slidenum">
+            <a:fld id="{5EC4EEF4-C6E0-4AA9-A311-EBFC33367C11}" type="slidenum">
               <a:rPr lang="zh-CN" altLang="en-US" smtClean="0"/>
               <a:t>‹#›</a:t>
             </a:fld>
@@ -1873,7 +1873,7 @@
     </p:spTree>
     <p:extLst>
       <p:ext uri="{BB962C8B-B14F-4D97-AF65-F5344CB8AC3E}">
-        <p14:creationId xmlns:p14="http://schemas.microsoft.com/office/powerpoint/2010/main" val="1741700153"/>
+        <p14:creationId xmlns:p14="http://schemas.microsoft.com/office/powerpoint/2010/main" val="3547529297"/>
       </p:ext>
     </p:extLst>
   </p:cSld>
@@ -1905,7 +1905,7 @@
           <p:cNvPr id="2" name="标题 1">
             <a:extLst>
               <a:ext uri="{FF2B5EF4-FFF2-40B4-BE49-F238E27FC236}">
-                <a16:creationId xmlns:a16="http://schemas.microsoft.com/office/drawing/2014/main" id="{C2A43CBB-6689-9E10-F497-B952FE8ED2F3}"/>
+                <a16:creationId xmlns:a16="http://schemas.microsoft.com/office/drawing/2014/main" id="{BE9F097D-41C3-9E8B-CD78-EC88FA005BE9}"/>
               </a:ext>
             </a:extLst>
           </p:cNvPr>
@@ -1933,7 +1933,7 @@
           <p:cNvPr id="3" name="日期占位符 2">
             <a:extLst>
               <a:ext uri="{FF2B5EF4-FFF2-40B4-BE49-F238E27FC236}">
-                <a16:creationId xmlns:a16="http://schemas.microsoft.com/office/drawing/2014/main" id="{2368AFB1-7F42-AD4A-DD06-516D84102915}"/>
+                <a16:creationId xmlns:a16="http://schemas.microsoft.com/office/drawing/2014/main" id="{449B2F57-2EE2-E516-369E-CB98D220BC7A}"/>
               </a:ext>
             </a:extLst>
           </p:cNvPr>
@@ -1949,7 +1949,7 @@
           <a:bodyPr/>
           <a:lstStyle/>
           <a:p>
-            <a:fld id="{DEE89DBC-32C1-4857-ADDF-E1FF57EF5324}" type="datetimeFigureOut">
+            <a:fld id="{B0114C73-88ED-466E-8D2B-F161197C985C}" type="datetimeFigureOut">
               <a:rPr lang="zh-CN" altLang="en-US" smtClean="0"/>
               <a:t>2024/3/10</a:t>
             </a:fld>
@@ -1962,7 +1962,7 @@
           <p:cNvPr id="4" name="页脚占位符 3">
             <a:extLst>
               <a:ext uri="{FF2B5EF4-FFF2-40B4-BE49-F238E27FC236}">
-                <a16:creationId xmlns:a16="http://schemas.microsoft.com/office/drawing/2014/main" id="{764A0384-835F-0AD4-1AD3-FBB474E14813}"/>
+                <a16:creationId xmlns:a16="http://schemas.microsoft.com/office/drawing/2014/main" id="{6C58DA66-7B4E-B5CB-2935-E90BF4D49452}"/>
               </a:ext>
             </a:extLst>
           </p:cNvPr>
@@ -1987,7 +1987,7 @@
           <p:cNvPr id="5" name="灯片编号占位符 4">
             <a:extLst>
               <a:ext uri="{FF2B5EF4-FFF2-40B4-BE49-F238E27FC236}">
-                <a16:creationId xmlns:a16="http://schemas.microsoft.com/office/drawing/2014/main" id="{12B2A913-CD5F-556E-6849-DAE640F74D57}"/>
+                <a16:creationId xmlns:a16="http://schemas.microsoft.com/office/drawing/2014/main" id="{2273B781-9313-A7C9-5A0C-681436500637}"/>
               </a:ext>
             </a:extLst>
           </p:cNvPr>
@@ -2003,7 +2003,7 @@
           <a:bodyPr/>
           <a:lstStyle/>
           <a:p>
-            <a:fld id="{7A68FF01-E9A4-4CE8-8CEC-439BFDBE99B6}" type="slidenum">
+            <a:fld id="{5EC4EEF4-C6E0-4AA9-A311-EBFC33367C11}" type="slidenum">
               <a:rPr lang="zh-CN" altLang="en-US" smtClean="0"/>
               <a:t>‹#›</a:t>
             </a:fld>
@@ -2014,7 +2014,7 @@
     </p:spTree>
     <p:extLst>
       <p:ext uri="{BB962C8B-B14F-4D97-AF65-F5344CB8AC3E}">
-        <p14:creationId xmlns:p14="http://schemas.microsoft.com/office/powerpoint/2010/main" val="1860896785"/>
+        <p14:creationId xmlns:p14="http://schemas.microsoft.com/office/powerpoint/2010/main" val="3376023283"/>
       </p:ext>
     </p:extLst>
   </p:cSld>
@@ -2046,7 +2046,7 @@
           <p:cNvPr id="2" name="日期占位符 1">
             <a:extLst>
               <a:ext uri="{FF2B5EF4-FFF2-40B4-BE49-F238E27FC236}">
-                <a16:creationId xmlns:a16="http://schemas.microsoft.com/office/drawing/2014/main" id="{E64C5593-F928-024E-6994-DD8E693B82F0}"/>
+                <a16:creationId xmlns:a16="http://schemas.microsoft.com/office/drawing/2014/main" id="{791879EB-0F4B-8F73-636C-1B5C2D6DFC00}"/>
               </a:ext>
             </a:extLst>
           </p:cNvPr>
@@ -2062,7 +2062,7 @@
           <a:bodyPr/>
           <a:lstStyle/>
           <a:p>
-            <a:fld id="{DEE89DBC-32C1-4857-ADDF-E1FF57EF5324}" type="datetimeFigureOut">
+            <a:fld id="{B0114C73-88ED-466E-8D2B-F161197C985C}" type="datetimeFigureOut">
               <a:rPr lang="zh-CN" altLang="en-US" smtClean="0"/>
               <a:t>2024/3/10</a:t>
             </a:fld>
@@ -2075,7 +2075,7 @@
           <p:cNvPr id="3" name="页脚占位符 2">
             <a:extLst>
               <a:ext uri="{FF2B5EF4-FFF2-40B4-BE49-F238E27FC236}">
-                <a16:creationId xmlns:a16="http://schemas.microsoft.com/office/drawing/2014/main" id="{CE768AF9-086E-1AE5-E623-5603BB6C8D69}"/>
+                <a16:creationId xmlns:a16="http://schemas.microsoft.com/office/drawing/2014/main" id="{8E225187-2CB5-4F24-F20E-BF663AC07F9C}"/>
               </a:ext>
             </a:extLst>
           </p:cNvPr>
@@ -2100,7 +2100,7 @@
           <p:cNvPr id="4" name="灯片编号占位符 3">
             <a:extLst>
               <a:ext uri="{FF2B5EF4-FFF2-40B4-BE49-F238E27FC236}">
-                <a16:creationId xmlns:a16="http://schemas.microsoft.com/office/drawing/2014/main" id="{B5B3B3D7-0EB5-8514-8860-B10D8C1BA977}"/>
+                <a16:creationId xmlns:a16="http://schemas.microsoft.com/office/drawing/2014/main" id="{86B7B14F-B200-219F-7D70-0F871E3876D3}"/>
               </a:ext>
             </a:extLst>
           </p:cNvPr>
@@ -2116,7 +2116,7 @@
           <a:bodyPr/>
           <a:lstStyle/>
           <a:p>
-            <a:fld id="{7A68FF01-E9A4-4CE8-8CEC-439BFDBE99B6}" type="slidenum">
+            <a:fld id="{5EC4EEF4-C6E0-4AA9-A311-EBFC33367C11}" type="slidenum">
               <a:rPr lang="zh-CN" altLang="en-US" smtClean="0"/>
               <a:t>‹#›</a:t>
             </a:fld>
@@ -2127,7 +2127,7 @@
     </p:spTree>
     <p:extLst>
       <p:ext uri="{BB962C8B-B14F-4D97-AF65-F5344CB8AC3E}">
-        <p14:creationId xmlns:p14="http://schemas.microsoft.com/office/powerpoint/2010/main" val="809467015"/>
+        <p14:creationId xmlns:p14="http://schemas.microsoft.com/office/powerpoint/2010/main" val="2415939649"/>
       </p:ext>
     </p:extLst>
   </p:cSld>
@@ -2159,7 +2159,7 @@
           <p:cNvPr id="2" name="标题 1">
             <a:extLst>
               <a:ext uri="{FF2B5EF4-FFF2-40B4-BE49-F238E27FC236}">
-                <a16:creationId xmlns:a16="http://schemas.microsoft.com/office/drawing/2014/main" id="{6F65E604-BFF3-3410-8E71-5EF2F4683ED3}"/>
+                <a16:creationId xmlns:a16="http://schemas.microsoft.com/office/drawing/2014/main" id="{59C208E5-C680-E2E8-7591-C1D6264EB9C3}"/>
               </a:ext>
             </a:extLst>
           </p:cNvPr>
@@ -2196,7 +2196,7 @@
           <p:cNvPr id="3" name="内容占位符 2">
             <a:extLst>
               <a:ext uri="{FF2B5EF4-FFF2-40B4-BE49-F238E27FC236}">
-                <a16:creationId xmlns:a16="http://schemas.microsoft.com/office/drawing/2014/main" id="{70E7393A-D3BB-777D-6FE4-F36EC8E5DC06}"/>
+                <a16:creationId xmlns:a16="http://schemas.microsoft.com/office/drawing/2014/main" id="{DE1C9FD1-981F-8A52-C9A0-BC0A8A22952B}"/>
               </a:ext>
             </a:extLst>
           </p:cNvPr>
@@ -2286,7 +2286,7 @@
           <p:cNvPr id="4" name="文本占位符 3">
             <a:extLst>
               <a:ext uri="{FF2B5EF4-FFF2-40B4-BE49-F238E27FC236}">
-                <a16:creationId xmlns:a16="http://schemas.microsoft.com/office/drawing/2014/main" id="{AC61FAD7-4D99-069C-5A0C-E7E128956A7C}"/>
+                <a16:creationId xmlns:a16="http://schemas.microsoft.com/office/drawing/2014/main" id="{A937B57E-188F-9889-4FEC-17E1C03B7C95}"/>
               </a:ext>
             </a:extLst>
           </p:cNvPr>
@@ -2357,7 +2357,7 @@
           <p:cNvPr id="5" name="日期占位符 4">
             <a:extLst>
               <a:ext uri="{FF2B5EF4-FFF2-40B4-BE49-F238E27FC236}">
-                <a16:creationId xmlns:a16="http://schemas.microsoft.com/office/drawing/2014/main" id="{70D63212-F634-5373-5F7D-95348F35B843}"/>
+                <a16:creationId xmlns:a16="http://schemas.microsoft.com/office/drawing/2014/main" id="{5ECCC766-4A18-E4A2-DC6C-AEBF6DA73747}"/>
               </a:ext>
             </a:extLst>
           </p:cNvPr>
@@ -2373,7 +2373,7 @@
           <a:bodyPr/>
           <a:lstStyle/>
           <a:p>
-            <a:fld id="{DEE89DBC-32C1-4857-ADDF-E1FF57EF5324}" type="datetimeFigureOut">
+            <a:fld id="{B0114C73-88ED-466E-8D2B-F161197C985C}" type="datetimeFigureOut">
               <a:rPr lang="zh-CN" altLang="en-US" smtClean="0"/>
               <a:t>2024/3/10</a:t>
             </a:fld>
@@ -2386,7 +2386,7 @@
           <p:cNvPr id="6" name="页脚占位符 5">
             <a:extLst>
               <a:ext uri="{FF2B5EF4-FFF2-40B4-BE49-F238E27FC236}">
-                <a16:creationId xmlns:a16="http://schemas.microsoft.com/office/drawing/2014/main" id="{9F64031A-1352-AFF4-1781-8AE678919A97}"/>
+                <a16:creationId xmlns:a16="http://schemas.microsoft.com/office/drawing/2014/main" id="{F4254CD8-0A8D-1A9F-9292-259E1A50D96F}"/>
               </a:ext>
             </a:extLst>
           </p:cNvPr>
@@ -2411,7 +2411,7 @@
           <p:cNvPr id="7" name="灯片编号占位符 6">
             <a:extLst>
               <a:ext uri="{FF2B5EF4-FFF2-40B4-BE49-F238E27FC236}">
-                <a16:creationId xmlns:a16="http://schemas.microsoft.com/office/drawing/2014/main" id="{CCBF362E-CA02-46A7-5984-6A48D273949E}"/>
+                <a16:creationId xmlns:a16="http://schemas.microsoft.com/office/drawing/2014/main" id="{D849D339-83B5-1210-38B2-40BE680B6E4F}"/>
               </a:ext>
             </a:extLst>
           </p:cNvPr>
@@ -2427,7 +2427,7 @@
           <a:bodyPr/>
           <a:lstStyle/>
           <a:p>
-            <a:fld id="{7A68FF01-E9A4-4CE8-8CEC-439BFDBE99B6}" type="slidenum">
+            <a:fld id="{5EC4EEF4-C6E0-4AA9-A311-EBFC33367C11}" type="slidenum">
               <a:rPr lang="zh-CN" altLang="en-US" smtClean="0"/>
               <a:t>‹#›</a:t>
             </a:fld>
@@ -2438,7 +2438,7 @@
     </p:spTree>
     <p:extLst>
       <p:ext uri="{BB962C8B-B14F-4D97-AF65-F5344CB8AC3E}">
-        <p14:creationId xmlns:p14="http://schemas.microsoft.com/office/powerpoint/2010/main" val="832655605"/>
+        <p14:creationId xmlns:p14="http://schemas.microsoft.com/office/powerpoint/2010/main" val="1400632843"/>
       </p:ext>
     </p:extLst>
   </p:cSld>
@@ -2470,7 +2470,7 @@
           <p:cNvPr id="2" name="标题 1">
             <a:extLst>
               <a:ext uri="{FF2B5EF4-FFF2-40B4-BE49-F238E27FC236}">
-                <a16:creationId xmlns:a16="http://schemas.microsoft.com/office/drawing/2014/main" id="{B10A8C65-0F6C-44BD-38F7-7FB00E7F0598}"/>
+                <a16:creationId xmlns:a16="http://schemas.microsoft.com/office/drawing/2014/main" id="{02ADCE2B-4F2F-8F95-1A40-CF8CEDF6FB8E}"/>
               </a:ext>
             </a:extLst>
           </p:cNvPr>
@@ -2507,7 +2507,7 @@
           <p:cNvPr id="3" name="图片占位符 2">
             <a:extLst>
               <a:ext uri="{FF2B5EF4-FFF2-40B4-BE49-F238E27FC236}">
-                <a16:creationId xmlns:a16="http://schemas.microsoft.com/office/drawing/2014/main" id="{9A7F5D20-E19D-52AB-500F-0C6F8120E10A}"/>
+                <a16:creationId xmlns:a16="http://schemas.microsoft.com/office/drawing/2014/main" id="{CC027530-2FD7-AB28-350E-5C8358C2E4A8}"/>
               </a:ext>
             </a:extLst>
           </p:cNvPr>
@@ -2574,7 +2574,7 @@
           <p:cNvPr id="4" name="文本占位符 3">
             <a:extLst>
               <a:ext uri="{FF2B5EF4-FFF2-40B4-BE49-F238E27FC236}">
-                <a16:creationId xmlns:a16="http://schemas.microsoft.com/office/drawing/2014/main" id="{2378C285-5745-D6EE-0646-E14CD0CA04BF}"/>
+                <a16:creationId xmlns:a16="http://schemas.microsoft.com/office/drawing/2014/main" id="{8E7ECC88-EDB7-72C2-0577-DE2131EEC3E3}"/>
               </a:ext>
             </a:extLst>
           </p:cNvPr>
@@ -2645,7 +2645,7 @@
           <p:cNvPr id="5" name="日期占位符 4">
             <a:extLst>
               <a:ext uri="{FF2B5EF4-FFF2-40B4-BE49-F238E27FC236}">
-                <a16:creationId xmlns:a16="http://schemas.microsoft.com/office/drawing/2014/main" id="{4F8B00F8-B97C-9D59-D51B-1309BB5D08B0}"/>
+                <a16:creationId xmlns:a16="http://schemas.microsoft.com/office/drawing/2014/main" id="{40510D92-E59C-E5A3-A38F-991385B02320}"/>
               </a:ext>
             </a:extLst>
           </p:cNvPr>
@@ -2661,7 +2661,7 @@
           <a:bodyPr/>
           <a:lstStyle/>
           <a:p>
-            <a:fld id="{DEE89DBC-32C1-4857-ADDF-E1FF57EF5324}" type="datetimeFigureOut">
+            <a:fld id="{B0114C73-88ED-466E-8D2B-F161197C985C}" type="datetimeFigureOut">
               <a:rPr lang="zh-CN" altLang="en-US" smtClean="0"/>
               <a:t>2024/3/10</a:t>
             </a:fld>
@@ -2674,7 +2674,7 @@
           <p:cNvPr id="6" name="页脚占位符 5">
             <a:extLst>
               <a:ext uri="{FF2B5EF4-FFF2-40B4-BE49-F238E27FC236}">
-                <a16:creationId xmlns:a16="http://schemas.microsoft.com/office/drawing/2014/main" id="{89881134-BC27-B8FE-68CC-087DD5B6118B}"/>
+                <a16:creationId xmlns:a16="http://schemas.microsoft.com/office/drawing/2014/main" id="{20EEA556-5C9A-CEE3-1DC0-595ED7DDEEF1}"/>
               </a:ext>
             </a:extLst>
           </p:cNvPr>
@@ -2699,7 +2699,7 @@
           <p:cNvPr id="7" name="灯片编号占位符 6">
             <a:extLst>
               <a:ext uri="{FF2B5EF4-FFF2-40B4-BE49-F238E27FC236}">
-                <a16:creationId xmlns:a16="http://schemas.microsoft.com/office/drawing/2014/main" id="{264FA3AA-B8E3-8853-F87A-7A7500B0EFF2}"/>
+                <a16:creationId xmlns:a16="http://schemas.microsoft.com/office/drawing/2014/main" id="{D1BD453D-00BC-547F-FB51-2786C99A72A7}"/>
               </a:ext>
             </a:extLst>
           </p:cNvPr>
@@ -2715,7 +2715,7 @@
           <a:bodyPr/>
           <a:lstStyle/>
           <a:p>
-            <a:fld id="{7A68FF01-E9A4-4CE8-8CEC-439BFDBE99B6}" type="slidenum">
+            <a:fld id="{5EC4EEF4-C6E0-4AA9-A311-EBFC33367C11}" type="slidenum">
               <a:rPr lang="zh-CN" altLang="en-US" smtClean="0"/>
               <a:t>‹#›</a:t>
             </a:fld>
@@ -2726,7 +2726,7 @@
     </p:spTree>
     <p:extLst>
       <p:ext uri="{BB962C8B-B14F-4D97-AF65-F5344CB8AC3E}">
-        <p14:creationId xmlns:p14="http://schemas.microsoft.com/office/powerpoint/2010/main" val="1567742849"/>
+        <p14:creationId xmlns:p14="http://schemas.microsoft.com/office/powerpoint/2010/main" val="3981976876"/>
       </p:ext>
     </p:extLst>
   </p:cSld>
@@ -2763,7 +2763,7 @@
           <p:cNvPr id="2" name="标题占位符 1">
             <a:extLst>
               <a:ext uri="{FF2B5EF4-FFF2-40B4-BE49-F238E27FC236}">
-                <a16:creationId xmlns:a16="http://schemas.microsoft.com/office/drawing/2014/main" id="{F147E9FC-CD2D-66F5-9F90-B6881D7C7B0A}"/>
+                <a16:creationId xmlns:a16="http://schemas.microsoft.com/office/drawing/2014/main" id="{0D311917-87FC-7E67-DEA5-D465224876C5}"/>
               </a:ext>
             </a:extLst>
           </p:cNvPr>
@@ -2801,7 +2801,7 @@
           <p:cNvPr id="3" name="文本占位符 2">
             <a:extLst>
               <a:ext uri="{FF2B5EF4-FFF2-40B4-BE49-F238E27FC236}">
-                <a16:creationId xmlns:a16="http://schemas.microsoft.com/office/drawing/2014/main" id="{DF95AEB5-6358-FA24-FB89-833658DF6416}"/>
+                <a16:creationId xmlns:a16="http://schemas.microsoft.com/office/drawing/2014/main" id="{186318BA-3B10-8F25-F937-A9C8CD8E4E9A}"/>
               </a:ext>
             </a:extLst>
           </p:cNvPr>
@@ -2868,7 +2868,7 @@
           <p:cNvPr id="4" name="日期占位符 3">
             <a:extLst>
               <a:ext uri="{FF2B5EF4-FFF2-40B4-BE49-F238E27FC236}">
-                <a16:creationId xmlns:a16="http://schemas.microsoft.com/office/drawing/2014/main" id="{9DB0D688-E2AE-A04E-7975-BD23B2A9F06C}"/>
+                <a16:creationId xmlns:a16="http://schemas.microsoft.com/office/drawing/2014/main" id="{F8D67083-B31E-9DF2-9E83-D71EC1413B15}"/>
               </a:ext>
             </a:extLst>
           </p:cNvPr>
@@ -2902,7 +2902,7 @@
             </a:lvl1pPr>
           </a:lstStyle>
           <a:p>
-            <a:fld id="{DEE89DBC-32C1-4857-ADDF-E1FF57EF5324}" type="datetimeFigureOut">
+            <a:fld id="{B0114C73-88ED-466E-8D2B-F161197C985C}" type="datetimeFigureOut">
               <a:rPr lang="zh-CN" altLang="en-US" smtClean="0"/>
               <a:t>2024/3/10</a:t>
             </a:fld>
@@ -2915,7 +2915,7 @@
           <p:cNvPr id="5" name="页脚占位符 4">
             <a:extLst>
               <a:ext uri="{FF2B5EF4-FFF2-40B4-BE49-F238E27FC236}">
-                <a16:creationId xmlns:a16="http://schemas.microsoft.com/office/drawing/2014/main" id="{792C736E-5291-EEC6-DCF8-FA340725CB0E}"/>
+                <a16:creationId xmlns:a16="http://schemas.microsoft.com/office/drawing/2014/main" id="{6061D69F-1AF3-03D4-401F-674437726E7A}"/>
               </a:ext>
             </a:extLst>
           </p:cNvPr>
@@ -2958,7 +2958,7 @@
           <p:cNvPr id="6" name="灯片编号占位符 5">
             <a:extLst>
               <a:ext uri="{FF2B5EF4-FFF2-40B4-BE49-F238E27FC236}">
-                <a16:creationId xmlns:a16="http://schemas.microsoft.com/office/drawing/2014/main" id="{5CB7FB25-C4B0-6705-C9AD-656A308B9D63}"/>
+                <a16:creationId xmlns:a16="http://schemas.microsoft.com/office/drawing/2014/main" id="{184FB066-BA86-1FA5-2328-6512EE514537}"/>
               </a:ext>
             </a:extLst>
           </p:cNvPr>
@@ -2992,7 +2992,7 @@
             </a:lvl1pPr>
           </a:lstStyle>
           <a:p>
-            <a:fld id="{7A68FF01-E9A4-4CE8-8CEC-439BFDBE99B6}" type="slidenum">
+            <a:fld id="{5EC4EEF4-C6E0-4AA9-A311-EBFC33367C11}" type="slidenum">
               <a:rPr lang="zh-CN" altLang="en-US" smtClean="0"/>
               <a:t>‹#›</a:t>
             </a:fld>
@@ -3003,7 +3003,7 @@
     </p:spTree>
     <p:extLst>
       <p:ext uri="{BB962C8B-B14F-4D97-AF65-F5344CB8AC3E}">
-        <p14:creationId xmlns:p14="http://schemas.microsoft.com/office/powerpoint/2010/main" val="716181588"/>
+        <p14:creationId xmlns:p14="http://schemas.microsoft.com/office/powerpoint/2010/main" val="1836176084"/>
       </p:ext>
     </p:extLst>
   </p:cSld>
